--- a/Presentation/WebcamFuzzing.pptx
+++ b/Presentation/WebcamFuzzing.pptx
@@ -10,6 +10,8 @@
     <p:sldId id="258" r:id="rId4"/>
     <p:sldId id="259" r:id="rId5"/>
     <p:sldId id="260" r:id="rId6"/>
+    <p:sldId id="261" r:id="rId7"/>
+    <p:sldId id="262" r:id="rId8"/>
   </p:sldIdLst>
   <p:sldSz cx="12192000" cy="6858000"/>
   <p:notesSz cx="6858000" cy="9144000"/>
@@ -108,6 +110,11 @@
       </a:defRPr>
     </a:lvl9pPr>
   </p:defaultTextStyle>
+  <p:extLst>
+    <p:ext uri="{EFAFB233-063F-42B5-8137-9DF3F51BA10A}">
+      <p15:sldGuideLst xmlns:p15="http://schemas.microsoft.com/office/powerpoint/2012/main"/>
+    </p:ext>
+  </p:extLst>
 </p:presentation>
 </file>
 
@@ -299,7 +306,7 @@
           <a:p>
             <a:fld id="{F6A2BFC9-9085-4805-B585-1501F4FBDEF7}" type="datetimeFigureOut">
               <a:rPr lang="en-US" smtClean="0"/>
-              <a:t>12/3/2015</a:t>
+              <a:t>12/5/2015</a:t>
             </a:fld>
             <a:endParaRPr lang="en-US"/>
           </a:p>
@@ -637,7 +644,7 @@
           <a:p>
             <a:fld id="{F6A2BFC9-9085-4805-B585-1501F4FBDEF7}" type="datetimeFigureOut">
               <a:rPr lang="en-US" smtClean="0"/>
-              <a:t>12/3/2015</a:t>
+              <a:t>12/5/2015</a:t>
             </a:fld>
             <a:endParaRPr lang="en-US"/>
           </a:p>
@@ -1038,7 +1045,7 @@
           <a:p>
             <a:fld id="{F6A2BFC9-9085-4805-B585-1501F4FBDEF7}" type="datetimeFigureOut">
               <a:rPr lang="en-US" smtClean="0"/>
-              <a:t>12/3/2015</a:t>
+              <a:t>12/5/2015</a:t>
             </a:fld>
             <a:endParaRPr lang="en-US"/>
           </a:p>
@@ -1374,7 +1381,7 @@
           <a:p>
             <a:fld id="{F6A2BFC9-9085-4805-B585-1501F4FBDEF7}" type="datetimeFigureOut">
               <a:rPr lang="en-US" smtClean="0"/>
-              <a:t>12/3/2015</a:t>
+              <a:t>12/5/2015</a:t>
             </a:fld>
             <a:endParaRPr lang="en-US"/>
           </a:p>
@@ -1694,7 +1701,7 @@
           <a:p>
             <a:fld id="{F6A2BFC9-9085-4805-B585-1501F4FBDEF7}" type="datetimeFigureOut">
               <a:rPr lang="en-US" smtClean="0"/>
-              <a:t>12/3/2015</a:t>
+              <a:t>12/5/2015</a:t>
             </a:fld>
             <a:endParaRPr lang="en-US"/>
           </a:p>
@@ -2090,7 +2097,7 @@
           <a:p>
             <a:fld id="{F6A2BFC9-9085-4805-B585-1501F4FBDEF7}" type="datetimeFigureOut">
               <a:rPr lang="en-US" smtClean="0"/>
-              <a:t>12/3/2015</a:t>
+              <a:t>12/5/2015</a:t>
             </a:fld>
             <a:endParaRPr lang="en-US"/>
           </a:p>
@@ -2347,7 +2354,7 @@
           <a:p>
             <a:fld id="{F6A2BFC9-9085-4805-B585-1501F4FBDEF7}" type="datetimeFigureOut">
               <a:rPr lang="en-US" smtClean="0"/>
-              <a:t>12/3/2015</a:t>
+              <a:t>12/5/2015</a:t>
             </a:fld>
             <a:endParaRPr lang="en-US"/>
           </a:p>
@@ -2609,7 +2616,7 @@
           <a:p>
             <a:fld id="{F6A2BFC9-9085-4805-B585-1501F4FBDEF7}" type="datetimeFigureOut">
               <a:rPr lang="en-US" smtClean="0"/>
-              <a:t>12/3/2015</a:t>
+              <a:t>12/5/2015</a:t>
             </a:fld>
             <a:endParaRPr lang="en-US"/>
           </a:p>
@@ -2871,7 +2878,7 @@
           <a:p>
             <a:fld id="{F6A2BFC9-9085-4805-B585-1501F4FBDEF7}" type="datetimeFigureOut">
               <a:rPr lang="en-US" smtClean="0"/>
-              <a:t>12/3/2015</a:t>
+              <a:t>12/5/2015</a:t>
             </a:fld>
             <a:endParaRPr lang="en-US"/>
           </a:p>
@@ -3200,7 +3207,7 @@
           <a:p>
             <a:fld id="{F6A2BFC9-9085-4805-B585-1501F4FBDEF7}" type="datetimeFigureOut">
               <a:rPr lang="en-US" smtClean="0"/>
-              <a:t>12/3/2015</a:t>
+              <a:t>12/5/2015</a:t>
             </a:fld>
             <a:endParaRPr lang="en-US"/>
           </a:p>
@@ -3523,7 +3530,7 @@
           <a:p>
             <a:fld id="{F6A2BFC9-9085-4805-B585-1501F4FBDEF7}" type="datetimeFigureOut">
               <a:rPr lang="en-US" smtClean="0"/>
-              <a:t>12/3/2015</a:t>
+              <a:t>12/5/2015</a:t>
             </a:fld>
             <a:endParaRPr lang="en-US"/>
           </a:p>
@@ -3980,7 +3987,7 @@
           <a:p>
             <a:fld id="{F6A2BFC9-9085-4805-B585-1501F4FBDEF7}" type="datetimeFigureOut">
               <a:rPr lang="en-US" smtClean="0"/>
-              <a:t>12/3/2015</a:t>
+              <a:t>12/5/2015</a:t>
             </a:fld>
             <a:endParaRPr lang="en-US"/>
           </a:p>
@@ -4185,7 +4192,7 @@
           <a:p>
             <a:fld id="{F6A2BFC9-9085-4805-B585-1501F4FBDEF7}" type="datetimeFigureOut">
               <a:rPr lang="en-US" smtClean="0"/>
-              <a:t>12/3/2015</a:t>
+              <a:t>12/5/2015</a:t>
             </a:fld>
             <a:endParaRPr lang="en-US"/>
           </a:p>
@@ -4362,7 +4369,7 @@
           <a:p>
             <a:fld id="{F6A2BFC9-9085-4805-B585-1501F4FBDEF7}" type="datetimeFigureOut">
               <a:rPr lang="en-US" smtClean="0"/>
-              <a:t>12/3/2015</a:t>
+              <a:t>12/5/2015</a:t>
             </a:fld>
             <a:endParaRPr lang="en-US"/>
           </a:p>
@@ -4695,7 +4702,7 @@
           <a:p>
             <a:fld id="{F6A2BFC9-9085-4805-B585-1501F4FBDEF7}" type="datetimeFigureOut">
               <a:rPr lang="en-US" smtClean="0"/>
-              <a:t>12/3/2015</a:t>
+              <a:t>12/5/2015</a:t>
             </a:fld>
             <a:endParaRPr lang="en-US"/>
           </a:p>
@@ -5040,7 +5047,7 @@
           <a:p>
             <a:fld id="{F6A2BFC9-9085-4805-B585-1501F4FBDEF7}" type="datetimeFigureOut">
               <a:rPr lang="en-US" smtClean="0"/>
-              <a:t>12/3/2015</a:t>
+              <a:t>12/5/2015</a:t>
             </a:fld>
             <a:endParaRPr lang="en-US"/>
           </a:p>
@@ -7157,7 +7164,7 @@
           <a:p>
             <a:fld id="{F6A2BFC9-9085-4805-B585-1501F4FBDEF7}" type="datetimeFigureOut">
               <a:rPr lang="en-US" smtClean="0"/>
-              <a:t>12/3/2015</a:t>
+              <a:t>12/5/2015</a:t>
             </a:fld>
             <a:endParaRPr lang="en-US"/>
           </a:p>
@@ -7718,10 +7725,22 @@
         </p:nvSpPr>
         <p:spPr/>
         <p:txBody>
-          <a:bodyPr/>
+          <a:bodyPr>
+            <a:normAutofit/>
+          </a:bodyPr>
           <a:lstStyle/>
           <a:p>
-            <a:endParaRPr lang="en-US"/>
+            <a:r>
+              <a:rPr lang="en-US" sz="2400" dirty="0" smtClean="0"/>
+              <a:t>Matthew Elbert</a:t>
+            </a:r>
+          </a:p>
+          <a:p>
+            <a:r>
+              <a:rPr lang="en-US" sz="2400" dirty="0" smtClean="0"/>
+              <a:t>Jeffrey Kitchen</a:t>
+            </a:r>
+            <a:endParaRPr lang="en-US" sz="2400" dirty="0"/>
           </a:p>
         </p:txBody>
       </p:sp>
@@ -7770,7 +7789,11 @@
           <a:bodyPr/>
           <a:lstStyle/>
           <a:p>
-            <a:endParaRPr lang="en-US"/>
+            <a:r>
+              <a:rPr lang="en-US" dirty="0" smtClean="0"/>
+              <a:t>Fuzz Testing</a:t>
+            </a:r>
+            <a:endParaRPr lang="en-US" dirty="0"/>
           </a:p>
         </p:txBody>
       </p:sp>
@@ -7786,14 +7809,30 @@
         </p:nvSpPr>
         <p:spPr/>
         <p:txBody>
-          <a:bodyPr/>
+          <a:bodyPr>
+            <a:normAutofit/>
+          </a:bodyPr>
           <a:lstStyle/>
           <a:p>
             <a:r>
-              <a:rPr lang="en-US" dirty="0" smtClean="0"/>
-              <a:t>This talk in one slide….</a:t>
-            </a:r>
-            <a:endParaRPr lang="en-US" dirty="0"/>
+              <a:rPr lang="en-US" sz="2400" dirty="0" smtClean="0"/>
+              <a:t>Fuzz testing (or fuzzing) is an automated method of testing by sending a program with random inputs in order to attempt to find bugs and vulnerabilities. This is particularly useful for network-facing interfaces, as they could see any random command form the Internet.</a:t>
+            </a:r>
+          </a:p>
+          <a:p>
+            <a:r>
+              <a:rPr lang="en-US" sz="2400" dirty="0" smtClean="0"/>
+              <a:t>We decided to fuzz test Wireless IP cameras, as they are some of the most commercially available Internet of Things (</a:t>
+            </a:r>
+            <a:r>
+              <a:rPr lang="en-US" sz="2400" dirty="0" err="1" smtClean="0"/>
+              <a:t>IoT</a:t>
+            </a:r>
+            <a:r>
+              <a:rPr lang="en-US" sz="2400" dirty="0" smtClean="0"/>
+              <a:t>) deployments. We found these webcams use basic HTTP server to serve video.</a:t>
+            </a:r>
+            <a:endParaRPr lang="en-US" sz="2400" dirty="0"/>
           </a:p>
         </p:txBody>
       </p:sp>
@@ -7842,7 +7881,11 @@
           <a:bodyPr/>
           <a:lstStyle/>
           <a:p>
-            <a:endParaRPr lang="en-US"/>
+            <a:r>
+              <a:rPr lang="en-US" dirty="0" smtClean="0"/>
+              <a:t>Advantages of testing HTTP</a:t>
+            </a:r>
+            <a:endParaRPr lang="en-US" dirty="0"/>
           </a:p>
         </p:txBody>
       </p:sp>
@@ -7861,7 +7904,38 @@
           <a:bodyPr/>
           <a:lstStyle/>
           <a:p>
-            <a:endParaRPr lang="en-US"/>
+            <a:r>
+              <a:rPr lang="en-US" dirty="0" smtClean="0"/>
+              <a:t>Widely deployed</a:t>
+            </a:r>
+          </a:p>
+          <a:p>
+            <a:pPr lvl="1"/>
+            <a:r>
+              <a:rPr lang="en-US" dirty="0" smtClean="0"/>
+              <a:t>Many solutions available</a:t>
+            </a:r>
+          </a:p>
+          <a:p>
+            <a:pPr lvl="1"/>
+            <a:r>
+              <a:rPr lang="en-US" dirty="0" smtClean="0"/>
+              <a:t>Easy to access</a:t>
+            </a:r>
+          </a:p>
+          <a:p>
+            <a:r>
+              <a:rPr lang="en-US" dirty="0" smtClean="0"/>
+              <a:t>Well understood</a:t>
+            </a:r>
+          </a:p>
+          <a:p>
+            <a:pPr lvl="1"/>
+            <a:r>
+              <a:rPr lang="en-US" dirty="0" smtClean="0"/>
+              <a:t>Many vulnerabilities found</a:t>
+            </a:r>
+            <a:endParaRPr lang="en-US" dirty="0"/>
           </a:p>
         </p:txBody>
       </p:sp>
@@ -7910,7 +7984,11 @@
           <a:bodyPr/>
           <a:lstStyle/>
           <a:p>
-            <a:endParaRPr lang="en-US"/>
+            <a:r>
+              <a:rPr lang="en-US" dirty="0" smtClean="0"/>
+              <a:t>Disadvantages of testing HTTP</a:t>
+            </a:r>
+            <a:endParaRPr lang="en-US" dirty="0"/>
           </a:p>
         </p:txBody>
       </p:sp>
@@ -7929,7 +8007,18 @@
           <a:bodyPr/>
           <a:lstStyle/>
           <a:p>
-            <a:endParaRPr lang="en-US"/>
+            <a:r>
+              <a:rPr lang="en-US" dirty="0" smtClean="0"/>
+              <a:t>Widely deployed</a:t>
+            </a:r>
+          </a:p>
+          <a:p>
+            <a:pPr lvl="1"/>
+            <a:r>
+              <a:rPr lang="en-US" dirty="0" smtClean="0"/>
+              <a:t>Many implementations are hardened from the vulnerabilities found on them</a:t>
+            </a:r>
+            <a:endParaRPr lang="en-US" dirty="0"/>
           </a:p>
         </p:txBody>
       </p:sp>
@@ -7978,26 +8067,171 @@
           <a:bodyPr/>
           <a:lstStyle/>
           <a:p>
-            <a:endParaRPr lang="en-US"/>
-          </a:p>
-        </p:txBody>
-      </p:sp>
-      <p:sp>
-        <p:nvSpPr>
-          <p:cNvPr id="3" name="Content Placeholder 2"/>
-          <p:cNvSpPr>
-            <a:spLocks noGrp="1"/>
-          </p:cNvSpPr>
+            <a:r>
+              <a:rPr lang="en-US" dirty="0" smtClean="0"/>
+              <a:t>Devices Under Test</a:t>
+            </a:r>
+            <a:endParaRPr lang="en-US" dirty="0"/>
+          </a:p>
+        </p:txBody>
+      </p:sp>
+      <p:pic>
+        <p:nvPicPr>
+          <p:cNvPr id="1026" name="Picture 2" descr="http://ecx.images-amazon.com/images/I/61XrZkdcSJL._SL1500_.jpg"/>
+          <p:cNvPicPr>
+            <a:picLocks noGrp="1" noChangeAspect="1" noChangeArrowheads="1"/>
+          </p:cNvPicPr>
           <p:nvPr>
             <p:ph idx="1"/>
           </p:nvPr>
-        </p:nvSpPr>
-        <p:spPr/>
-        <p:txBody>
-          <a:bodyPr/>
+        </p:nvPicPr>
+        <p:blipFill>
+          <a:blip r:embed="rId2" cstate="print">
+            <a:extLst>
+              <a:ext uri="{28A0092B-C50C-407E-A947-70E740481C1C}">
+                <a14:useLocalDpi xmlns:a14="http://schemas.microsoft.com/office/drawing/2010/main" val="0"/>
+              </a:ext>
+            </a:extLst>
+          </a:blip>
+          <a:srcRect/>
+          <a:stretch>
+            <a:fillRect/>
+          </a:stretch>
+        </p:blipFill>
+        <p:spPr bwMode="auto">
+          <a:xfrm>
+            <a:off x="1972511" y="1500515"/>
+            <a:ext cx="2921846" cy="3778250"/>
+          </a:xfrm>
+          <a:prstGeom prst="rect">
+            <a:avLst/>
+          </a:prstGeom>
+          <a:noFill/>
+          <a:extLst>
+            <a:ext uri="{909E8E84-426E-40DD-AFC4-6F175D3DCCD1}">
+              <a14:hiddenFill xmlns:a14="http://schemas.microsoft.com/office/drawing/2010/main">
+                <a:solidFill>
+                  <a:srgbClr val="FFFFFF"/>
+                </a:solidFill>
+              </a14:hiddenFill>
+            </a:ext>
+          </a:extLst>
+        </p:spPr>
+      </p:pic>
+      <p:pic>
+        <p:nvPicPr>
+          <p:cNvPr id="1028" name="Picture 4" descr="Pyle - PIPCAM5 , Home and Office , Cameras , IP Camera Surveillance Security Monitor with Wi-Fi, P2P Network, Image Capture, Video Recording, Built-in Web Server, Software Included, Downloadable App"/>
+          <p:cNvPicPr>
+            <a:picLocks noChangeAspect="1" noChangeArrowheads="1"/>
+          </p:cNvPicPr>
+          <p:nvPr/>
+        </p:nvPicPr>
+        <p:blipFill rotWithShape="1">
+          <a:blip r:embed="rId3">
+            <a:extLst>
+              <a:ext uri="{28A0092B-C50C-407E-A947-70E740481C1C}">
+                <a14:useLocalDpi xmlns:a14="http://schemas.microsoft.com/office/drawing/2010/main" val="0"/>
+              </a:ext>
+            </a:extLst>
+          </a:blip>
+          <a:srcRect l="24373"/>
+          <a:stretch/>
+        </p:blipFill>
+        <p:spPr bwMode="auto">
+          <a:xfrm>
+            <a:off x="6424611" y="1264554"/>
+            <a:ext cx="3214255" cy="4250171"/>
+          </a:xfrm>
+          <a:prstGeom prst="rect">
+            <a:avLst/>
+          </a:prstGeom>
+          <a:noFill/>
+          <a:extLst>
+            <a:ext uri="{909E8E84-426E-40DD-AFC4-6F175D3DCCD1}">
+              <a14:hiddenFill xmlns:a14="http://schemas.microsoft.com/office/drawing/2010/main">
+                <a:solidFill>
+                  <a:srgbClr val="FFFFFF"/>
+                </a:solidFill>
+              </a14:hiddenFill>
+            </a:ext>
+          </a:extLst>
+        </p:spPr>
+      </p:pic>
+      <p:sp>
+        <p:nvSpPr>
+          <p:cNvPr id="4" name="TextBox 3"/>
+          <p:cNvSpPr txBox="1"/>
+          <p:nvPr/>
+        </p:nvSpPr>
+        <p:spPr>
+          <a:xfrm>
+            <a:off x="6045921" y="5472912"/>
+            <a:ext cx="3592945" cy="646331"/>
+          </a:xfrm>
+          <a:prstGeom prst="rect">
+            <a:avLst/>
+          </a:prstGeom>
+          <a:noFill/>
+        </p:spPr>
+        <p:txBody>
+          <a:bodyPr wrap="square" rtlCol="0">
+            <a:spAutoFit/>
+          </a:bodyPr>
           <a:lstStyle/>
           <a:p>
-            <a:endParaRPr lang="en-US"/>
+            <a:r>
+              <a:rPr lang="en-US" dirty="0"/>
+              <a:t>Pyle PIPCAM5 IP Camera Surveillance Security Monitor </a:t>
+            </a:r>
+            <a:endParaRPr lang="en-US" dirty="0"/>
+          </a:p>
+        </p:txBody>
+      </p:sp>
+      <p:sp>
+        <p:nvSpPr>
+          <p:cNvPr id="7" name="TextBox 6"/>
+          <p:cNvSpPr txBox="1"/>
+          <p:nvPr/>
+        </p:nvSpPr>
+        <p:spPr>
+          <a:xfrm>
+            <a:off x="1888837" y="5514292"/>
+            <a:ext cx="3592945" cy="923330"/>
+          </a:xfrm>
+          <a:prstGeom prst="rect">
+            <a:avLst/>
+          </a:prstGeom>
+          <a:noFill/>
+        </p:spPr>
+        <p:txBody>
+          <a:bodyPr wrap="square" rtlCol="0">
+            <a:spAutoFit/>
+          </a:bodyPr>
+          <a:lstStyle/>
+          <a:p>
+            <a:r>
+              <a:rPr lang="en-US" dirty="0" smtClean="0"/>
+              <a:t>D-Link </a:t>
+            </a:r>
+            <a:r>
+              <a:rPr lang="en-US" dirty="0"/>
+              <a:t>Wireless Day/Night </a:t>
+            </a:r>
+            <a:r>
+              <a:rPr lang="en-US" dirty="0" err="1"/>
+              <a:t>WiFi</a:t>
+            </a:r>
+            <a:r>
+              <a:rPr lang="en-US" dirty="0"/>
+              <a:t> Network Surveillance Camera</a:t>
+            </a:r>
+          </a:p>
+          <a:p>
+            <a:r>
+              <a:rPr lang="en-US" dirty="0" smtClean="0"/>
+              <a:t>(DCS-934L)</a:t>
+            </a:r>
+            <a:endParaRPr lang="en-US" dirty="0"/>
           </a:p>
         </p:txBody>
       </p:sp>
@@ -8005,6 +8239,431 @@
     <p:extLst>
       <p:ext uri="{BB962C8B-B14F-4D97-AF65-F5344CB8AC3E}">
         <p14:creationId xmlns:p14="http://schemas.microsoft.com/office/powerpoint/2010/main" val="2936562961"/>
+      </p:ext>
+    </p:extLst>
+  </p:cSld>
+  <p:clrMapOvr>
+    <a:masterClrMapping/>
+  </p:clrMapOvr>
+</p:sld>
+</file>
+
+<file path=ppt/slides/slide6.xml><?xml version="1.0" encoding="utf-8"?>
+<p:sld xmlns:a="http://schemas.openxmlformats.org/drawingml/2006/main" xmlns:r="http://schemas.openxmlformats.org/officeDocument/2006/relationships" xmlns:p="http://schemas.openxmlformats.org/presentationml/2006/main">
+  <p:cSld>
+    <p:spTree>
+      <p:nvGrpSpPr>
+        <p:cNvPr id="1" name=""/>
+        <p:cNvGrpSpPr/>
+        <p:nvPr/>
+      </p:nvGrpSpPr>
+      <p:grpSpPr>
+        <a:xfrm>
+          <a:off x="0" y="0"/>
+          <a:ext cx="0" cy="0"/>
+          <a:chOff x="0" y="0"/>
+          <a:chExt cx="0" cy="0"/>
+        </a:xfrm>
+      </p:grpSpPr>
+      <p:sp>
+        <p:nvSpPr>
+          <p:cNvPr id="2" name="Title 1"/>
+          <p:cNvSpPr>
+            <a:spLocks noGrp="1"/>
+          </p:cNvSpPr>
+          <p:nvPr>
+            <p:ph type="title"/>
+          </p:nvPr>
+        </p:nvSpPr>
+        <p:spPr/>
+        <p:txBody>
+          <a:bodyPr/>
+          <a:lstStyle/>
+          <a:p>
+            <a:r>
+              <a:rPr lang="en-US" dirty="0" smtClean="0"/>
+              <a:t>Device Under Test</a:t>
+            </a:r>
+            <a:endParaRPr lang="en-US" dirty="0"/>
+          </a:p>
+        </p:txBody>
+      </p:sp>
+      <p:sp>
+        <p:nvSpPr>
+          <p:cNvPr id="3" name="Content Placeholder 2"/>
+          <p:cNvSpPr>
+            <a:spLocks noGrp="1"/>
+          </p:cNvSpPr>
+          <p:nvPr>
+            <p:ph idx="1"/>
+          </p:nvPr>
+        </p:nvSpPr>
+        <p:spPr>
+          <a:xfrm>
+            <a:off x="7048768" y="815108"/>
+            <a:ext cx="3903952" cy="5899727"/>
+          </a:xfrm>
+        </p:spPr>
+        <p:txBody>
+          <a:bodyPr>
+            <a:noAutofit/>
+          </a:bodyPr>
+          <a:lstStyle/>
+          <a:p>
+            <a:r>
+              <a:rPr lang="en-US" sz="2000" dirty="0" smtClean="0"/>
+              <a:t>IPv4</a:t>
+            </a:r>
+            <a:r>
+              <a:rPr lang="en-US" sz="2000" dirty="0"/>
+              <a:t>, ARP, TCP, UDP, ICMP</a:t>
+            </a:r>
+          </a:p>
+          <a:p>
+            <a:r>
+              <a:rPr lang="en-US" sz="2000" dirty="0" smtClean="0"/>
+              <a:t>DHCP </a:t>
+            </a:r>
+            <a:r>
+              <a:rPr lang="en-US" sz="2000" dirty="0"/>
+              <a:t>Client</a:t>
+            </a:r>
+          </a:p>
+          <a:p>
+            <a:r>
+              <a:rPr lang="en-US" sz="2000" dirty="0" smtClean="0"/>
+              <a:t>NTP </a:t>
+            </a:r>
+            <a:r>
+              <a:rPr lang="en-US" sz="2000" dirty="0"/>
+              <a:t>Client (D-Link only)</a:t>
+            </a:r>
+          </a:p>
+          <a:p>
+            <a:r>
+              <a:rPr lang="en-US" sz="2000" dirty="0" smtClean="0"/>
+              <a:t>DNS </a:t>
+            </a:r>
+            <a:r>
+              <a:rPr lang="en-US" sz="2000" dirty="0"/>
+              <a:t>Client</a:t>
+            </a:r>
+          </a:p>
+          <a:p>
+            <a:r>
+              <a:rPr lang="en-US" sz="2000" dirty="0" smtClean="0"/>
+              <a:t>DDNS </a:t>
+            </a:r>
+            <a:r>
+              <a:rPr lang="en-US" sz="2000" dirty="0"/>
+              <a:t>Client</a:t>
+            </a:r>
+          </a:p>
+          <a:p>
+            <a:r>
+              <a:rPr lang="en-US" sz="2000" dirty="0" smtClean="0"/>
+              <a:t>SMTP </a:t>
+            </a:r>
+            <a:r>
+              <a:rPr lang="en-US" sz="2000" dirty="0"/>
+              <a:t>Client</a:t>
+            </a:r>
+          </a:p>
+          <a:p>
+            <a:r>
+              <a:rPr lang="en-US" sz="2000" dirty="0" smtClean="0"/>
+              <a:t>FTP </a:t>
+            </a:r>
+            <a:r>
+              <a:rPr lang="en-US" sz="2000" dirty="0"/>
+              <a:t>Client</a:t>
+            </a:r>
+          </a:p>
+          <a:p>
+            <a:r>
+              <a:rPr lang="en-US" sz="2000" dirty="0" smtClean="0"/>
+              <a:t>HTTP </a:t>
+            </a:r>
+            <a:r>
+              <a:rPr lang="en-US" sz="2000" dirty="0"/>
+              <a:t>Server</a:t>
+            </a:r>
+          </a:p>
+          <a:p>
+            <a:r>
+              <a:rPr lang="en-US" sz="2000" dirty="0" err="1" smtClean="0"/>
+              <a:t>PPPoE</a:t>
+            </a:r>
+            <a:endParaRPr lang="en-US" sz="2000" dirty="0"/>
+          </a:p>
+          <a:p>
+            <a:r>
+              <a:rPr lang="en-US" sz="2000" dirty="0" smtClean="0"/>
+              <a:t>UPnP </a:t>
+            </a:r>
+            <a:r>
+              <a:rPr lang="en-US" sz="2000" dirty="0"/>
+              <a:t>port forwarding</a:t>
+            </a:r>
+          </a:p>
+          <a:p>
+            <a:r>
+              <a:rPr lang="en-US" sz="2000" dirty="0" smtClean="0"/>
+              <a:t>RTP</a:t>
+            </a:r>
+            <a:r>
+              <a:rPr lang="en-US" sz="2000" dirty="0"/>
+              <a:t>, RTSP, RTCP (D-Link only)</a:t>
+            </a:r>
+          </a:p>
+          <a:p>
+            <a:r>
+              <a:rPr lang="en-US" sz="2000" dirty="0" smtClean="0"/>
+              <a:t>LLTD </a:t>
+            </a:r>
+            <a:r>
+              <a:rPr lang="en-US" sz="2000" dirty="0"/>
+              <a:t>(D-Link only)</a:t>
+            </a:r>
+          </a:p>
+          <a:p>
+            <a:r>
+              <a:rPr lang="en-US" sz="2000" dirty="0" smtClean="0"/>
+              <a:t>GPRS </a:t>
+            </a:r>
+            <a:r>
+              <a:rPr lang="en-US" sz="2000" dirty="0"/>
+              <a:t>(Pyle only)</a:t>
+            </a:r>
+          </a:p>
+        </p:txBody>
+      </p:sp>
+      <p:sp>
+        <p:nvSpPr>
+          <p:cNvPr id="4" name="TextBox 3"/>
+          <p:cNvSpPr txBox="1"/>
+          <p:nvPr/>
+        </p:nvSpPr>
+        <p:spPr>
+          <a:xfrm>
+            <a:off x="1136073" y="1810327"/>
+            <a:ext cx="5532582" cy="3908762"/>
+          </a:xfrm>
+          <a:prstGeom prst="rect">
+            <a:avLst/>
+          </a:prstGeom>
+          <a:noFill/>
+        </p:spPr>
+        <p:txBody>
+          <a:bodyPr wrap="square" rtlCol="0">
+            <a:spAutoFit/>
+          </a:bodyPr>
+          <a:lstStyle/>
+          <a:p>
+            <a:r>
+              <a:rPr lang="en-US" sz="3200" dirty="0" smtClean="0"/>
+              <a:t>Supported protocols </a:t>
+            </a:r>
+            <a:r>
+              <a:rPr lang="en-US" sz="3200" dirty="0" smtClean="0">
+                <a:sym typeface="Wingdings" panose="05000000000000000000" pitchFamily="2" charset="2"/>
+              </a:rPr>
+              <a:t></a:t>
+            </a:r>
+            <a:endParaRPr lang="en-US" sz="3200" dirty="0" smtClean="0"/>
+          </a:p>
+          <a:p>
+            <a:endParaRPr lang="en-US" sz="2400" dirty="0"/>
+          </a:p>
+          <a:p>
+            <a:r>
+              <a:rPr lang="en-US" sz="2400" dirty="0" smtClean="0"/>
+              <a:t>Many are just for internet connectivity</a:t>
+            </a:r>
+          </a:p>
+          <a:p>
+            <a:endParaRPr lang="en-US" sz="2400" dirty="0"/>
+          </a:p>
+          <a:p>
+            <a:r>
+              <a:rPr lang="en-US" sz="2400" dirty="0" smtClean="0"/>
+              <a:t>Most are also clients for services that require other entities to complete (e.g. the SMTP mail client to send emails and the FTP client to send camera images to a server)</a:t>
+            </a:r>
+            <a:endParaRPr lang="en-US" sz="2400" dirty="0"/>
+          </a:p>
+        </p:txBody>
+      </p:sp>
+    </p:spTree>
+    <p:extLst>
+      <p:ext uri="{BB962C8B-B14F-4D97-AF65-F5344CB8AC3E}">
+        <p14:creationId xmlns:p14="http://schemas.microsoft.com/office/powerpoint/2010/main" val="3878349201"/>
+      </p:ext>
+    </p:extLst>
+  </p:cSld>
+  <p:clrMapOvr>
+    <a:masterClrMapping/>
+  </p:clrMapOvr>
+</p:sld>
+</file>
+
+<file path=ppt/slides/slide7.xml><?xml version="1.0" encoding="utf-8"?>
+<p:sld xmlns:a="http://schemas.openxmlformats.org/drawingml/2006/main" xmlns:r="http://schemas.openxmlformats.org/officeDocument/2006/relationships" xmlns:p="http://schemas.openxmlformats.org/presentationml/2006/main">
+  <p:cSld>
+    <p:spTree>
+      <p:nvGrpSpPr>
+        <p:cNvPr id="1" name=""/>
+        <p:cNvGrpSpPr/>
+        <p:nvPr/>
+      </p:nvGrpSpPr>
+      <p:grpSpPr>
+        <a:xfrm>
+          <a:off x="0" y="0"/>
+          <a:ext cx="0" cy="0"/>
+          <a:chOff x="0" y="0"/>
+          <a:chExt cx="0" cy="0"/>
+        </a:xfrm>
+      </p:grpSpPr>
+      <p:sp>
+        <p:nvSpPr>
+          <p:cNvPr id="2" name="Title 1"/>
+          <p:cNvSpPr>
+            <a:spLocks noGrp="1"/>
+          </p:cNvSpPr>
+          <p:nvPr>
+            <p:ph type="title"/>
+          </p:nvPr>
+        </p:nvSpPr>
+        <p:spPr/>
+        <p:txBody>
+          <a:bodyPr/>
+          <a:lstStyle/>
+          <a:p>
+            <a:r>
+              <a:rPr lang="en-US" dirty="0" smtClean="0"/>
+              <a:t>Available Tools</a:t>
+            </a:r>
+            <a:endParaRPr lang="en-US" dirty="0"/>
+          </a:p>
+        </p:txBody>
+      </p:sp>
+      <p:sp>
+        <p:nvSpPr>
+          <p:cNvPr id="3" name="Content Placeholder 2"/>
+          <p:cNvSpPr>
+            <a:spLocks noGrp="1"/>
+          </p:cNvSpPr>
+          <p:nvPr>
+            <p:ph idx="1"/>
+          </p:nvPr>
+        </p:nvSpPr>
+        <p:spPr/>
+        <p:txBody>
+          <a:bodyPr/>
+          <a:lstStyle/>
+          <a:p>
+            <a:r>
+              <a:rPr lang="en-US" dirty="0" smtClean="0"/>
+              <a:t>The Peach Fuzzing Platform</a:t>
+            </a:r>
+          </a:p>
+          <a:p>
+            <a:pPr lvl="1"/>
+            <a:r>
+              <a:rPr lang="en-US" dirty="0">
+                <a:hlinkClick r:id="rId2"/>
+              </a:rPr>
+              <a:t>http://www.peachfuzzer.com</a:t>
+            </a:r>
+            <a:r>
+              <a:rPr lang="en-US" dirty="0" smtClean="0">
+                <a:hlinkClick r:id="rId2"/>
+              </a:rPr>
+              <a:t>/</a:t>
+            </a:r>
+            <a:endParaRPr lang="en-US" dirty="0" smtClean="0"/>
+          </a:p>
+          <a:p>
+            <a:r>
+              <a:rPr lang="en-US" dirty="0" err="1" smtClean="0"/>
+              <a:t>AutoFuzz</a:t>
+            </a:r>
+            <a:endParaRPr lang="en-US" dirty="0" smtClean="0"/>
+          </a:p>
+          <a:p>
+            <a:pPr lvl="1"/>
+            <a:r>
+              <a:rPr lang="en-US" dirty="0">
+                <a:hlinkClick r:id="rId3"/>
+              </a:rPr>
+              <a:t>http://autofuzz.sourceforge.net</a:t>
+            </a:r>
+            <a:r>
+              <a:rPr lang="en-US" dirty="0" smtClean="0">
+                <a:hlinkClick r:id="rId3"/>
+              </a:rPr>
+              <a:t>/</a:t>
+            </a:r>
+            <a:endParaRPr lang="en-US" dirty="0" smtClean="0"/>
+          </a:p>
+          <a:p>
+            <a:r>
+              <a:rPr lang="en-US" dirty="0" smtClean="0"/>
+              <a:t>American Fuzzy Lop</a:t>
+            </a:r>
+          </a:p>
+          <a:p>
+            <a:pPr lvl="1"/>
+            <a:r>
+              <a:rPr lang="en-US" dirty="0">
+                <a:hlinkClick r:id="rId4"/>
+              </a:rPr>
+              <a:t>http://lcamtuf.coredump.cx/afl</a:t>
+            </a:r>
+            <a:r>
+              <a:rPr lang="en-US" dirty="0" smtClean="0">
+                <a:hlinkClick r:id="rId4"/>
+              </a:rPr>
+              <a:t>/</a:t>
+            </a:r>
+            <a:endParaRPr lang="en-US" dirty="0" smtClean="0"/>
+          </a:p>
+          <a:p>
+            <a:r>
+              <a:rPr lang="en-US" dirty="0" err="1" smtClean="0"/>
+              <a:t>Pathod</a:t>
+            </a:r>
+            <a:r>
+              <a:rPr lang="en-US" dirty="0" smtClean="0"/>
+              <a:t>/</a:t>
+            </a:r>
+            <a:r>
+              <a:rPr lang="en-US" dirty="0" err="1" smtClean="0"/>
+              <a:t>Pathoc</a:t>
+            </a:r>
+            <a:endParaRPr lang="en-US" dirty="0" smtClean="0"/>
+          </a:p>
+          <a:p>
+            <a:pPr lvl="1"/>
+            <a:r>
+              <a:rPr lang="en-US" dirty="0">
+                <a:hlinkClick r:id="rId5"/>
+              </a:rPr>
+              <a:t>http://</a:t>
+            </a:r>
+            <a:r>
+              <a:rPr lang="en-US" dirty="0" smtClean="0">
+                <a:hlinkClick r:id="rId5"/>
+              </a:rPr>
+              <a:t>pathod.net/index.html</a:t>
+            </a:r>
+            <a:endParaRPr lang="en-US" dirty="0" smtClean="0"/>
+          </a:p>
+        </p:txBody>
+      </p:sp>
+    </p:spTree>
+    <p:extLst>
+      <p:ext uri="{BB962C8B-B14F-4D97-AF65-F5344CB8AC3E}">
+        <p14:creationId xmlns:p14="http://schemas.microsoft.com/office/powerpoint/2010/main" val="2610446203"/>
       </p:ext>
     </p:extLst>
   </p:cSld>
